--- a/PowerPoint/slide/DATH-01.pptx
+++ b/PowerPoint/slide/DATH-01.pptx
@@ -232,7 +232,7 @@
           <a:p>
             <a:fld id="{BD191DC8-1FE8-7046-A8AC-9F90E86112EC}" type="datetimeFigureOut">
               <a:rPr lang="en-US" smtClean="0"/>
-              <a:t>06/28/2020</a:t>
+              <a:t>28-Jun-20</a:t>
             </a:fld>
             <a:endParaRPr lang="en-US"/>
           </a:p>
@@ -15501,6 +15501,9 @@
                     <p:cTn id="3" fill="hold">
                       <p:stCondLst>
                         <p:cond delay="indefinite"/>
+                        <p:cond evt="onBegin" delay="0">
+                          <p:tn val="2"/>
+                        </p:cond>
                       </p:stCondLst>
                       <p:childTnLst>
                         <p:par>
@@ -15510,7 +15513,7 @@
                             </p:stCondLst>
                             <p:childTnLst>
                               <p:par>
-                                <p:cTn id="5" presetID="10" presetClass="entr" presetSubtype="0" fill="hold" nodeType="clickEffect">
+                                <p:cTn id="5" presetID="10" presetClass="entr" presetSubtype="0" fill="hold" nodeType="afterEffect">
                                   <p:stCondLst>
                                     <p:cond delay="0"/>
                                   </p:stCondLst>
@@ -17062,6 +17065,9 @@
                     <p:cTn id="3" fill="hold">
                       <p:stCondLst>
                         <p:cond delay="indefinite"/>
+                        <p:cond evt="onBegin" delay="0">
+                          <p:tn val="2"/>
+                        </p:cond>
                       </p:stCondLst>
                       <p:childTnLst>
                         <p:par>
@@ -17071,7 +17077,7 @@
                             </p:stCondLst>
                             <p:childTnLst>
                               <p:par>
-                                <p:cTn id="5" presetID="10" presetClass="entr" presetSubtype="0" fill="hold" nodeType="clickEffect">
+                                <p:cTn id="5" presetID="10" presetClass="entr" presetSubtype="0" fill="hold" nodeType="afterEffect">
                                   <p:stCondLst>
                                     <p:cond delay="0"/>
                                   </p:stCondLst>
